--- a/figures/Figure_2.pptx
+++ b/figures/Figure_2.pptx
@@ -2,12 +2,12 @@
 <file path=ppt/presentation.xml><?xml version="1.0" encoding="utf-8"?>
 <p:presentation xmlns:a="http://schemas.openxmlformats.org/drawingml/2006/main" xmlns:r="http://schemas.openxmlformats.org/officeDocument/2006/relationships" xmlns:p="http://schemas.openxmlformats.org/presentationml/2006/main" saveSubsetFonts="1" autoCompressPictures="0">
   <p:sldMasterIdLst>
-    <p:sldMasterId id="2147483720" r:id="rId1"/>
+    <p:sldMasterId id="2147483696" r:id="rId1"/>
   </p:sldMasterIdLst>
   <p:sldIdLst>
     <p:sldId id="256" r:id="rId2"/>
   </p:sldIdLst>
-  <p:sldSz cx="6119813" cy="1871663"/>
+  <p:sldSz cx="3060700" cy="1260475"/>
   <p:notesSz cx="6858000" cy="9144000"/>
   <p:defaultTextStyle>
     <a:defPPr>
@@ -141,15 +141,15 @@
         </p:nvSpPr>
         <p:spPr>
           <a:xfrm>
-            <a:off x="764977" y="306312"/>
-            <a:ext cx="4589860" cy="651616"/>
+            <a:off x="382588" y="206286"/>
+            <a:ext cx="2295525" cy="438832"/>
           </a:xfrm>
         </p:spPr>
         <p:txBody>
           <a:bodyPr anchor="b"/>
           <a:lstStyle>
             <a:lvl1pPr algn="ctr">
-              <a:defRPr sz="1637"/>
+              <a:defRPr sz="1103"/>
             </a:lvl1pPr>
           </a:lstStyle>
           <a:p>
@@ -173,8 +173,8 @@
         </p:nvSpPr>
         <p:spPr>
           <a:xfrm>
-            <a:off x="764977" y="983057"/>
-            <a:ext cx="4589860" cy="451885"/>
+            <a:off x="382588" y="662041"/>
+            <a:ext cx="2295525" cy="304323"/>
           </a:xfrm>
         </p:spPr>
         <p:txBody>
@@ -182,39 +182,39 @@
           <a:lstStyle>
             <a:lvl1pPr marL="0" indent="0" algn="ctr">
               <a:buNone/>
-              <a:defRPr sz="655"/>
+              <a:defRPr sz="441"/>
             </a:lvl1pPr>
-            <a:lvl2pPr marL="124770" indent="0" algn="ctr">
-              <a:buNone/>
-              <a:defRPr sz="546"/>
+            <a:lvl2pPr marL="84033" indent="0" algn="ctr">
+              <a:buNone/>
+              <a:defRPr sz="368"/>
             </a:lvl2pPr>
-            <a:lvl3pPr marL="249540" indent="0" algn="ctr">
-              <a:buNone/>
-              <a:defRPr sz="491"/>
+            <a:lvl3pPr marL="168067" indent="0" algn="ctr">
+              <a:buNone/>
+              <a:defRPr sz="331"/>
             </a:lvl3pPr>
-            <a:lvl4pPr marL="374310" indent="0" algn="ctr">
-              <a:buNone/>
-              <a:defRPr sz="437"/>
+            <a:lvl4pPr marL="252100" indent="0" algn="ctr">
+              <a:buNone/>
+              <a:defRPr sz="294"/>
             </a:lvl4pPr>
-            <a:lvl5pPr marL="499080" indent="0" algn="ctr">
-              <a:buNone/>
-              <a:defRPr sz="437"/>
+            <a:lvl5pPr marL="336133" indent="0" algn="ctr">
+              <a:buNone/>
+              <a:defRPr sz="294"/>
             </a:lvl5pPr>
-            <a:lvl6pPr marL="623849" indent="0" algn="ctr">
-              <a:buNone/>
-              <a:defRPr sz="437"/>
+            <a:lvl6pPr marL="420167" indent="0" algn="ctr">
+              <a:buNone/>
+              <a:defRPr sz="294"/>
             </a:lvl6pPr>
-            <a:lvl7pPr marL="748619" indent="0" algn="ctr">
-              <a:buNone/>
-              <a:defRPr sz="437"/>
+            <a:lvl7pPr marL="504200" indent="0" algn="ctr">
+              <a:buNone/>
+              <a:defRPr sz="294"/>
             </a:lvl7pPr>
-            <a:lvl8pPr marL="873389" indent="0" algn="ctr">
-              <a:buNone/>
-              <a:defRPr sz="437"/>
+            <a:lvl8pPr marL="588234" indent="0" algn="ctr">
+              <a:buNone/>
+              <a:defRPr sz="294"/>
             </a:lvl8pPr>
-            <a:lvl9pPr marL="998159" indent="0" algn="ctr">
-              <a:buNone/>
-              <a:defRPr sz="437"/>
+            <a:lvl9pPr marL="672267" indent="0" algn="ctr">
+              <a:buNone/>
+              <a:defRPr sz="294"/>
             </a:lvl9pPr>
           </a:lstStyle>
           <a:p>
@@ -243,7 +243,7 @@
           <a:p>
             <a:fld id="{ED160DB6-C0DC-8946-AD05-C0754294CFDE}" type="datetimeFigureOut">
               <a:rPr lang="fr-FR" smtClean="0"/>
-              <a:t>25/06/2025</a:t>
+              <a:t>16/07/2025</a:t>
             </a:fld>
             <a:endParaRPr lang="fr-FR"/>
           </a:p>
@@ -294,7 +294,7 @@
     </p:spTree>
     <p:extLst>
       <p:ext uri="{BB962C8B-B14F-4D97-AF65-F5344CB8AC3E}">
-        <p14:creationId xmlns:p14="http://schemas.microsoft.com/office/powerpoint/2010/main" val="872222591"/>
+        <p14:creationId xmlns:p14="http://schemas.microsoft.com/office/powerpoint/2010/main" val="2385509647"/>
       </p:ext>
     </p:extLst>
   </p:cSld>
@@ -413,7 +413,7 @@
           <a:p>
             <a:fld id="{ED160DB6-C0DC-8946-AD05-C0754294CFDE}" type="datetimeFigureOut">
               <a:rPr lang="fr-FR" smtClean="0"/>
-              <a:t>25/06/2025</a:t>
+              <a:t>16/07/2025</a:t>
             </a:fld>
             <a:endParaRPr lang="fr-FR"/>
           </a:p>
@@ -464,7 +464,7 @@
     </p:spTree>
     <p:extLst>
       <p:ext uri="{BB962C8B-B14F-4D97-AF65-F5344CB8AC3E}">
-        <p14:creationId xmlns:p14="http://schemas.microsoft.com/office/powerpoint/2010/main" val="1130549935"/>
+        <p14:creationId xmlns:p14="http://schemas.microsoft.com/office/powerpoint/2010/main" val="1591094217"/>
       </p:ext>
     </p:extLst>
   </p:cSld>
@@ -503,8 +503,8 @@
         </p:nvSpPr>
         <p:spPr>
           <a:xfrm>
-            <a:off x="4379491" y="99649"/>
-            <a:ext cx="1319585" cy="1586148"/>
+            <a:off x="2190314" y="67109"/>
+            <a:ext cx="659963" cy="1068194"/>
           </a:xfrm>
         </p:spPr>
         <p:txBody>
@@ -531,8 +531,8 @@
         </p:nvSpPr>
         <p:spPr>
           <a:xfrm>
-            <a:off x="420737" y="99649"/>
-            <a:ext cx="3882256" cy="1586148"/>
+            <a:off x="210423" y="67109"/>
+            <a:ext cx="1941632" cy="1068194"/>
           </a:xfrm>
         </p:spPr>
         <p:txBody>
@@ -593,7 +593,7 @@
           <a:p>
             <a:fld id="{ED160DB6-C0DC-8946-AD05-C0754294CFDE}" type="datetimeFigureOut">
               <a:rPr lang="fr-FR" smtClean="0"/>
-              <a:t>25/06/2025</a:t>
+              <a:t>16/07/2025</a:t>
             </a:fld>
             <a:endParaRPr lang="fr-FR"/>
           </a:p>
@@ -644,7 +644,7 @@
     </p:spTree>
     <p:extLst>
       <p:ext uri="{BB962C8B-B14F-4D97-AF65-F5344CB8AC3E}">
-        <p14:creationId xmlns:p14="http://schemas.microsoft.com/office/powerpoint/2010/main" val="3182282383"/>
+        <p14:creationId xmlns:p14="http://schemas.microsoft.com/office/powerpoint/2010/main" val="4005956000"/>
       </p:ext>
     </p:extLst>
   </p:cSld>
@@ -763,7 +763,7 @@
           <a:p>
             <a:fld id="{ED160DB6-C0DC-8946-AD05-C0754294CFDE}" type="datetimeFigureOut">
               <a:rPr lang="fr-FR" smtClean="0"/>
-              <a:t>25/06/2025</a:t>
+              <a:t>16/07/2025</a:t>
             </a:fld>
             <a:endParaRPr lang="fr-FR"/>
           </a:p>
@@ -814,7 +814,7 @@
     </p:spTree>
     <p:extLst>
       <p:ext uri="{BB962C8B-B14F-4D97-AF65-F5344CB8AC3E}">
-        <p14:creationId xmlns:p14="http://schemas.microsoft.com/office/powerpoint/2010/main" val="2272929264"/>
+        <p14:creationId xmlns:p14="http://schemas.microsoft.com/office/powerpoint/2010/main" val="687322108"/>
       </p:ext>
     </p:extLst>
   </p:cSld>
@@ -853,15 +853,15 @@
         </p:nvSpPr>
         <p:spPr>
           <a:xfrm>
-            <a:off x="417550" y="466616"/>
-            <a:ext cx="5278339" cy="778560"/>
+            <a:off x="208829" y="314244"/>
+            <a:ext cx="2639854" cy="524322"/>
           </a:xfrm>
         </p:spPr>
         <p:txBody>
           <a:bodyPr anchor="b"/>
           <a:lstStyle>
             <a:lvl1pPr>
-              <a:defRPr sz="1637"/>
+              <a:defRPr sz="1103"/>
             </a:lvl1pPr>
           </a:lstStyle>
           <a:p>
@@ -885,8 +885,8 @@
         </p:nvSpPr>
         <p:spPr>
           <a:xfrm>
-            <a:off x="417550" y="1252541"/>
-            <a:ext cx="5278339" cy="409426"/>
+            <a:off x="208829" y="843526"/>
+            <a:ext cx="2639854" cy="275729"/>
           </a:xfrm>
         </p:spPr>
         <p:txBody>
@@ -894,7 +894,7 @@
           <a:lstStyle>
             <a:lvl1pPr marL="0" indent="0">
               <a:buNone/>
-              <a:defRPr sz="655">
+              <a:defRPr sz="441">
                 <a:solidFill>
                   <a:schemeClr val="tx1">
                     <a:tint val="75000"/>
@@ -902,9 +902,9 @@
                 </a:solidFill>
               </a:defRPr>
             </a:lvl1pPr>
-            <a:lvl2pPr marL="124770" indent="0">
-              <a:buNone/>
-              <a:defRPr sz="546">
+            <a:lvl2pPr marL="84033" indent="0">
+              <a:buNone/>
+              <a:defRPr sz="368">
                 <a:solidFill>
                   <a:schemeClr val="tx1">
                     <a:tint val="75000"/>
@@ -912,9 +912,9 @@
                 </a:solidFill>
               </a:defRPr>
             </a:lvl2pPr>
-            <a:lvl3pPr marL="249540" indent="0">
-              <a:buNone/>
-              <a:defRPr sz="491">
+            <a:lvl3pPr marL="168067" indent="0">
+              <a:buNone/>
+              <a:defRPr sz="331">
                 <a:solidFill>
                   <a:schemeClr val="tx1">
                     <a:tint val="75000"/>
@@ -922,9 +922,9 @@
                 </a:solidFill>
               </a:defRPr>
             </a:lvl3pPr>
-            <a:lvl4pPr marL="374310" indent="0">
-              <a:buNone/>
-              <a:defRPr sz="437">
+            <a:lvl4pPr marL="252100" indent="0">
+              <a:buNone/>
+              <a:defRPr sz="294">
                 <a:solidFill>
                   <a:schemeClr val="tx1">
                     <a:tint val="75000"/>
@@ -932,9 +932,9 @@
                 </a:solidFill>
               </a:defRPr>
             </a:lvl4pPr>
-            <a:lvl5pPr marL="499080" indent="0">
-              <a:buNone/>
-              <a:defRPr sz="437">
+            <a:lvl5pPr marL="336133" indent="0">
+              <a:buNone/>
+              <a:defRPr sz="294">
                 <a:solidFill>
                   <a:schemeClr val="tx1">
                     <a:tint val="75000"/>
@@ -942,9 +942,9 @@
                 </a:solidFill>
               </a:defRPr>
             </a:lvl5pPr>
-            <a:lvl6pPr marL="623849" indent="0">
-              <a:buNone/>
-              <a:defRPr sz="437">
+            <a:lvl6pPr marL="420167" indent="0">
+              <a:buNone/>
+              <a:defRPr sz="294">
                 <a:solidFill>
                   <a:schemeClr val="tx1">
                     <a:tint val="75000"/>
@@ -952,9 +952,9 @@
                 </a:solidFill>
               </a:defRPr>
             </a:lvl6pPr>
-            <a:lvl7pPr marL="748619" indent="0">
-              <a:buNone/>
-              <a:defRPr sz="437">
+            <a:lvl7pPr marL="504200" indent="0">
+              <a:buNone/>
+              <a:defRPr sz="294">
                 <a:solidFill>
                   <a:schemeClr val="tx1">
                     <a:tint val="75000"/>
@@ -962,9 +962,9 @@
                 </a:solidFill>
               </a:defRPr>
             </a:lvl7pPr>
-            <a:lvl8pPr marL="873389" indent="0">
-              <a:buNone/>
-              <a:defRPr sz="437">
+            <a:lvl8pPr marL="588234" indent="0">
+              <a:buNone/>
+              <a:defRPr sz="294">
                 <a:solidFill>
                   <a:schemeClr val="tx1">
                     <a:tint val="75000"/>
@@ -972,9 +972,9 @@
                 </a:solidFill>
               </a:defRPr>
             </a:lvl8pPr>
-            <a:lvl9pPr marL="998159" indent="0">
-              <a:buNone/>
-              <a:defRPr sz="437">
+            <a:lvl9pPr marL="672267" indent="0">
+              <a:buNone/>
+              <a:defRPr sz="294">
                 <a:solidFill>
                   <a:schemeClr val="tx1">
                     <a:tint val="75000"/>
@@ -1009,7 +1009,7 @@
           <a:p>
             <a:fld id="{ED160DB6-C0DC-8946-AD05-C0754294CFDE}" type="datetimeFigureOut">
               <a:rPr lang="fr-FR" smtClean="0"/>
-              <a:t>25/06/2025</a:t>
+              <a:t>16/07/2025</a:t>
             </a:fld>
             <a:endParaRPr lang="fr-FR"/>
           </a:p>
@@ -1060,7 +1060,7 @@
     </p:spTree>
     <p:extLst>
       <p:ext uri="{BB962C8B-B14F-4D97-AF65-F5344CB8AC3E}">
-        <p14:creationId xmlns:p14="http://schemas.microsoft.com/office/powerpoint/2010/main" val="1593283992"/>
+        <p14:creationId xmlns:p14="http://schemas.microsoft.com/office/powerpoint/2010/main" val="964758337"/>
       </p:ext>
     </p:extLst>
   </p:cSld>
@@ -1122,8 +1122,8 @@
         </p:nvSpPr>
         <p:spPr>
           <a:xfrm>
-            <a:off x="420737" y="498244"/>
-            <a:ext cx="2600921" cy="1187553"/>
+            <a:off x="210423" y="335543"/>
+            <a:ext cx="1300798" cy="799760"/>
           </a:xfrm>
         </p:spPr>
         <p:txBody>
@@ -1179,8 +1179,8 @@
         </p:nvSpPr>
         <p:spPr>
           <a:xfrm>
-            <a:off x="3098155" y="498244"/>
-            <a:ext cx="2600921" cy="1187553"/>
+            <a:off x="1549479" y="335543"/>
+            <a:ext cx="1300798" cy="799760"/>
           </a:xfrm>
         </p:spPr>
         <p:txBody>
@@ -1241,7 +1241,7 @@
           <a:p>
             <a:fld id="{ED160DB6-C0DC-8946-AD05-C0754294CFDE}" type="datetimeFigureOut">
               <a:rPr lang="fr-FR" smtClean="0"/>
-              <a:t>25/06/2025</a:t>
+              <a:t>16/07/2025</a:t>
             </a:fld>
             <a:endParaRPr lang="fr-FR"/>
           </a:p>
@@ -1292,7 +1292,7 @@
     </p:spTree>
     <p:extLst>
       <p:ext uri="{BB962C8B-B14F-4D97-AF65-F5344CB8AC3E}">
-        <p14:creationId xmlns:p14="http://schemas.microsoft.com/office/powerpoint/2010/main" val="4244665248"/>
+        <p14:creationId xmlns:p14="http://schemas.microsoft.com/office/powerpoint/2010/main" val="2253328602"/>
       </p:ext>
     </p:extLst>
   </p:cSld>
@@ -1331,8 +1331,8 @@
         </p:nvSpPr>
         <p:spPr>
           <a:xfrm>
-            <a:off x="421534" y="99649"/>
-            <a:ext cx="5278339" cy="361768"/>
+            <a:off x="210822" y="67108"/>
+            <a:ext cx="2639854" cy="243634"/>
           </a:xfrm>
         </p:spPr>
         <p:txBody>
@@ -1359,8 +1359,8 @@
         </p:nvSpPr>
         <p:spPr>
           <a:xfrm>
-            <a:off x="421534" y="458818"/>
-            <a:ext cx="2588968" cy="224859"/>
+            <a:off x="210822" y="308992"/>
+            <a:ext cx="1294819" cy="151432"/>
           </a:xfrm>
         </p:spPr>
         <p:txBody>
@@ -1368,39 +1368,39 @@
           <a:lstStyle>
             <a:lvl1pPr marL="0" indent="0">
               <a:buNone/>
-              <a:defRPr sz="655" b="1"/>
+              <a:defRPr sz="441" b="1"/>
             </a:lvl1pPr>
-            <a:lvl2pPr marL="124770" indent="0">
-              <a:buNone/>
-              <a:defRPr sz="546" b="1"/>
+            <a:lvl2pPr marL="84033" indent="0">
+              <a:buNone/>
+              <a:defRPr sz="368" b="1"/>
             </a:lvl2pPr>
-            <a:lvl3pPr marL="249540" indent="0">
-              <a:buNone/>
-              <a:defRPr sz="491" b="1"/>
+            <a:lvl3pPr marL="168067" indent="0">
+              <a:buNone/>
+              <a:defRPr sz="331" b="1"/>
             </a:lvl3pPr>
-            <a:lvl4pPr marL="374310" indent="0">
-              <a:buNone/>
-              <a:defRPr sz="437" b="1"/>
+            <a:lvl4pPr marL="252100" indent="0">
+              <a:buNone/>
+              <a:defRPr sz="294" b="1"/>
             </a:lvl4pPr>
-            <a:lvl5pPr marL="499080" indent="0">
-              <a:buNone/>
-              <a:defRPr sz="437" b="1"/>
+            <a:lvl5pPr marL="336133" indent="0">
+              <a:buNone/>
+              <a:defRPr sz="294" b="1"/>
             </a:lvl5pPr>
-            <a:lvl6pPr marL="623849" indent="0">
-              <a:buNone/>
-              <a:defRPr sz="437" b="1"/>
+            <a:lvl6pPr marL="420167" indent="0">
+              <a:buNone/>
+              <a:defRPr sz="294" b="1"/>
             </a:lvl6pPr>
-            <a:lvl7pPr marL="748619" indent="0">
-              <a:buNone/>
-              <a:defRPr sz="437" b="1"/>
+            <a:lvl7pPr marL="504200" indent="0">
+              <a:buNone/>
+              <a:defRPr sz="294" b="1"/>
             </a:lvl7pPr>
-            <a:lvl8pPr marL="873389" indent="0">
-              <a:buNone/>
-              <a:defRPr sz="437" b="1"/>
+            <a:lvl8pPr marL="588234" indent="0">
+              <a:buNone/>
+              <a:defRPr sz="294" b="1"/>
             </a:lvl8pPr>
-            <a:lvl9pPr marL="998159" indent="0">
-              <a:buNone/>
-              <a:defRPr sz="437" b="1"/>
+            <a:lvl9pPr marL="672267" indent="0">
+              <a:buNone/>
+              <a:defRPr sz="294" b="1"/>
             </a:lvl9pPr>
           </a:lstStyle>
           <a:p>
@@ -1424,8 +1424,8 @@
         </p:nvSpPr>
         <p:spPr>
           <a:xfrm>
-            <a:off x="421534" y="683677"/>
-            <a:ext cx="2588968" cy="1005586"/>
+            <a:off x="210822" y="460423"/>
+            <a:ext cx="1294819" cy="677214"/>
           </a:xfrm>
         </p:spPr>
         <p:txBody>
@@ -1481,8 +1481,8 @@
         </p:nvSpPr>
         <p:spPr>
           <a:xfrm>
-            <a:off x="3098155" y="458818"/>
-            <a:ext cx="2601718" cy="224859"/>
+            <a:off x="1549479" y="308992"/>
+            <a:ext cx="1301196" cy="151432"/>
           </a:xfrm>
         </p:spPr>
         <p:txBody>
@@ -1490,39 +1490,39 @@
           <a:lstStyle>
             <a:lvl1pPr marL="0" indent="0">
               <a:buNone/>
-              <a:defRPr sz="655" b="1"/>
+              <a:defRPr sz="441" b="1"/>
             </a:lvl1pPr>
-            <a:lvl2pPr marL="124770" indent="0">
-              <a:buNone/>
-              <a:defRPr sz="546" b="1"/>
+            <a:lvl2pPr marL="84033" indent="0">
+              <a:buNone/>
+              <a:defRPr sz="368" b="1"/>
             </a:lvl2pPr>
-            <a:lvl3pPr marL="249540" indent="0">
-              <a:buNone/>
-              <a:defRPr sz="491" b="1"/>
+            <a:lvl3pPr marL="168067" indent="0">
+              <a:buNone/>
+              <a:defRPr sz="331" b="1"/>
             </a:lvl3pPr>
-            <a:lvl4pPr marL="374310" indent="0">
-              <a:buNone/>
-              <a:defRPr sz="437" b="1"/>
+            <a:lvl4pPr marL="252100" indent="0">
+              <a:buNone/>
+              <a:defRPr sz="294" b="1"/>
             </a:lvl4pPr>
-            <a:lvl5pPr marL="499080" indent="0">
-              <a:buNone/>
-              <a:defRPr sz="437" b="1"/>
+            <a:lvl5pPr marL="336133" indent="0">
+              <a:buNone/>
+              <a:defRPr sz="294" b="1"/>
             </a:lvl5pPr>
-            <a:lvl6pPr marL="623849" indent="0">
-              <a:buNone/>
-              <a:defRPr sz="437" b="1"/>
+            <a:lvl6pPr marL="420167" indent="0">
+              <a:buNone/>
+              <a:defRPr sz="294" b="1"/>
             </a:lvl6pPr>
-            <a:lvl7pPr marL="748619" indent="0">
-              <a:buNone/>
-              <a:defRPr sz="437" b="1"/>
+            <a:lvl7pPr marL="504200" indent="0">
+              <a:buNone/>
+              <a:defRPr sz="294" b="1"/>
             </a:lvl7pPr>
-            <a:lvl8pPr marL="873389" indent="0">
-              <a:buNone/>
-              <a:defRPr sz="437" b="1"/>
+            <a:lvl8pPr marL="588234" indent="0">
+              <a:buNone/>
+              <a:defRPr sz="294" b="1"/>
             </a:lvl8pPr>
-            <a:lvl9pPr marL="998159" indent="0">
-              <a:buNone/>
-              <a:defRPr sz="437" b="1"/>
+            <a:lvl9pPr marL="672267" indent="0">
+              <a:buNone/>
+              <a:defRPr sz="294" b="1"/>
             </a:lvl9pPr>
           </a:lstStyle>
           <a:p>
@@ -1546,8 +1546,8 @@
         </p:nvSpPr>
         <p:spPr>
           <a:xfrm>
-            <a:off x="3098155" y="683677"/>
-            <a:ext cx="2601718" cy="1005586"/>
+            <a:off x="1549479" y="460423"/>
+            <a:ext cx="1301196" cy="677214"/>
           </a:xfrm>
         </p:spPr>
         <p:txBody>
@@ -1608,7 +1608,7 @@
           <a:p>
             <a:fld id="{ED160DB6-C0DC-8946-AD05-C0754294CFDE}" type="datetimeFigureOut">
               <a:rPr lang="fr-FR" smtClean="0"/>
-              <a:t>25/06/2025</a:t>
+              <a:t>16/07/2025</a:t>
             </a:fld>
             <a:endParaRPr lang="fr-FR"/>
           </a:p>
@@ -1659,7 +1659,7 @@
     </p:spTree>
     <p:extLst>
       <p:ext uri="{BB962C8B-B14F-4D97-AF65-F5344CB8AC3E}">
-        <p14:creationId xmlns:p14="http://schemas.microsoft.com/office/powerpoint/2010/main" val="3009412218"/>
+        <p14:creationId xmlns:p14="http://schemas.microsoft.com/office/powerpoint/2010/main" val="3245446696"/>
       </p:ext>
     </p:extLst>
   </p:cSld>
@@ -1726,7 +1726,7 @@
           <a:p>
             <a:fld id="{ED160DB6-C0DC-8946-AD05-C0754294CFDE}" type="datetimeFigureOut">
               <a:rPr lang="fr-FR" smtClean="0"/>
-              <a:t>25/06/2025</a:t>
+              <a:t>16/07/2025</a:t>
             </a:fld>
             <a:endParaRPr lang="fr-FR"/>
           </a:p>
@@ -1777,7 +1777,7 @@
     </p:spTree>
     <p:extLst>
       <p:ext uri="{BB962C8B-B14F-4D97-AF65-F5344CB8AC3E}">
-        <p14:creationId xmlns:p14="http://schemas.microsoft.com/office/powerpoint/2010/main" val="1363750941"/>
+        <p14:creationId xmlns:p14="http://schemas.microsoft.com/office/powerpoint/2010/main" val="3472035015"/>
       </p:ext>
     </p:extLst>
   </p:cSld>
@@ -1821,7 +1821,7 @@
           <a:p>
             <a:fld id="{ED160DB6-C0DC-8946-AD05-C0754294CFDE}" type="datetimeFigureOut">
               <a:rPr lang="fr-FR" smtClean="0"/>
-              <a:t>25/06/2025</a:t>
+              <a:t>16/07/2025</a:t>
             </a:fld>
             <a:endParaRPr lang="fr-FR"/>
           </a:p>
@@ -1872,7 +1872,7 @@
     </p:spTree>
     <p:extLst>
       <p:ext uri="{BB962C8B-B14F-4D97-AF65-F5344CB8AC3E}">
-        <p14:creationId xmlns:p14="http://schemas.microsoft.com/office/powerpoint/2010/main" val="1831205921"/>
+        <p14:creationId xmlns:p14="http://schemas.microsoft.com/office/powerpoint/2010/main" val="775740826"/>
       </p:ext>
     </p:extLst>
   </p:cSld>
@@ -1911,15 +1911,15 @@
         </p:nvSpPr>
         <p:spPr>
           <a:xfrm>
-            <a:off x="421534" y="124778"/>
-            <a:ext cx="1973799" cy="436721"/>
+            <a:off x="210822" y="84032"/>
+            <a:ext cx="987155" cy="294111"/>
           </a:xfrm>
         </p:spPr>
         <p:txBody>
           <a:bodyPr anchor="b"/>
           <a:lstStyle>
             <a:lvl1pPr>
-              <a:defRPr sz="873"/>
+              <a:defRPr sz="588"/>
             </a:lvl1pPr>
           </a:lstStyle>
           <a:p>
@@ -1943,39 +1943,39 @@
         </p:nvSpPr>
         <p:spPr>
           <a:xfrm>
-            <a:off x="2601718" y="269485"/>
-            <a:ext cx="3098155" cy="1330094"/>
+            <a:off x="1301196" y="181485"/>
+            <a:ext cx="1549479" cy="895754"/>
           </a:xfrm>
         </p:spPr>
         <p:txBody>
           <a:bodyPr/>
           <a:lstStyle>
             <a:lvl1pPr>
-              <a:defRPr sz="873"/>
+              <a:defRPr sz="588"/>
             </a:lvl1pPr>
             <a:lvl2pPr>
-              <a:defRPr sz="764"/>
+              <a:defRPr sz="515"/>
             </a:lvl2pPr>
             <a:lvl3pPr>
-              <a:defRPr sz="655"/>
+              <a:defRPr sz="441"/>
             </a:lvl3pPr>
             <a:lvl4pPr>
-              <a:defRPr sz="546"/>
+              <a:defRPr sz="368"/>
             </a:lvl4pPr>
             <a:lvl5pPr>
-              <a:defRPr sz="546"/>
+              <a:defRPr sz="368"/>
             </a:lvl5pPr>
             <a:lvl6pPr>
-              <a:defRPr sz="546"/>
+              <a:defRPr sz="368"/>
             </a:lvl6pPr>
             <a:lvl7pPr>
-              <a:defRPr sz="546"/>
+              <a:defRPr sz="368"/>
             </a:lvl7pPr>
             <a:lvl8pPr>
-              <a:defRPr sz="546"/>
+              <a:defRPr sz="368"/>
             </a:lvl8pPr>
             <a:lvl9pPr>
-              <a:defRPr sz="546"/>
+              <a:defRPr sz="368"/>
             </a:lvl9pPr>
           </a:lstStyle>
           <a:p>
@@ -2028,8 +2028,8 @@
         </p:nvSpPr>
         <p:spPr>
           <a:xfrm>
-            <a:off x="421534" y="561499"/>
-            <a:ext cx="1973799" cy="1040246"/>
+            <a:off x="210822" y="378142"/>
+            <a:ext cx="987155" cy="700556"/>
           </a:xfrm>
         </p:spPr>
         <p:txBody>
@@ -2037,39 +2037,39 @@
           <a:lstStyle>
             <a:lvl1pPr marL="0" indent="0">
               <a:buNone/>
-              <a:defRPr sz="437"/>
+              <a:defRPr sz="294"/>
             </a:lvl1pPr>
-            <a:lvl2pPr marL="124770" indent="0">
-              <a:buNone/>
-              <a:defRPr sz="382"/>
+            <a:lvl2pPr marL="84033" indent="0">
+              <a:buNone/>
+              <a:defRPr sz="257"/>
             </a:lvl2pPr>
-            <a:lvl3pPr marL="249540" indent="0">
-              <a:buNone/>
-              <a:defRPr sz="327"/>
+            <a:lvl3pPr marL="168067" indent="0">
+              <a:buNone/>
+              <a:defRPr sz="221"/>
             </a:lvl3pPr>
-            <a:lvl4pPr marL="374310" indent="0">
-              <a:buNone/>
-              <a:defRPr sz="273"/>
+            <a:lvl4pPr marL="252100" indent="0">
+              <a:buNone/>
+              <a:defRPr sz="184"/>
             </a:lvl4pPr>
-            <a:lvl5pPr marL="499080" indent="0">
-              <a:buNone/>
-              <a:defRPr sz="273"/>
+            <a:lvl5pPr marL="336133" indent="0">
+              <a:buNone/>
+              <a:defRPr sz="184"/>
             </a:lvl5pPr>
-            <a:lvl6pPr marL="623849" indent="0">
-              <a:buNone/>
-              <a:defRPr sz="273"/>
+            <a:lvl6pPr marL="420167" indent="0">
+              <a:buNone/>
+              <a:defRPr sz="184"/>
             </a:lvl6pPr>
-            <a:lvl7pPr marL="748619" indent="0">
-              <a:buNone/>
-              <a:defRPr sz="273"/>
+            <a:lvl7pPr marL="504200" indent="0">
+              <a:buNone/>
+              <a:defRPr sz="184"/>
             </a:lvl7pPr>
-            <a:lvl8pPr marL="873389" indent="0">
-              <a:buNone/>
-              <a:defRPr sz="273"/>
+            <a:lvl8pPr marL="588234" indent="0">
+              <a:buNone/>
+              <a:defRPr sz="184"/>
             </a:lvl8pPr>
-            <a:lvl9pPr marL="998159" indent="0">
-              <a:buNone/>
-              <a:defRPr sz="273"/>
+            <a:lvl9pPr marL="672267" indent="0">
+              <a:buNone/>
+              <a:defRPr sz="184"/>
             </a:lvl9pPr>
           </a:lstStyle>
           <a:p>
@@ -2098,7 +2098,7 @@
           <a:p>
             <a:fld id="{ED160DB6-C0DC-8946-AD05-C0754294CFDE}" type="datetimeFigureOut">
               <a:rPr lang="fr-FR" smtClean="0"/>
-              <a:t>25/06/2025</a:t>
+              <a:t>16/07/2025</a:t>
             </a:fld>
             <a:endParaRPr lang="fr-FR"/>
           </a:p>
@@ -2149,7 +2149,7 @@
     </p:spTree>
     <p:extLst>
       <p:ext uri="{BB962C8B-B14F-4D97-AF65-F5344CB8AC3E}">
-        <p14:creationId xmlns:p14="http://schemas.microsoft.com/office/powerpoint/2010/main" val="558180917"/>
+        <p14:creationId xmlns:p14="http://schemas.microsoft.com/office/powerpoint/2010/main" val="2294122474"/>
       </p:ext>
     </p:extLst>
   </p:cSld>
@@ -2188,15 +2188,15 @@
         </p:nvSpPr>
         <p:spPr>
           <a:xfrm>
-            <a:off x="421534" y="124778"/>
-            <a:ext cx="1973799" cy="436721"/>
+            <a:off x="210822" y="84032"/>
+            <a:ext cx="987155" cy="294111"/>
           </a:xfrm>
         </p:spPr>
         <p:txBody>
           <a:bodyPr anchor="b"/>
           <a:lstStyle>
             <a:lvl1pPr>
-              <a:defRPr sz="873"/>
+              <a:defRPr sz="588"/>
             </a:lvl1pPr>
           </a:lstStyle>
           <a:p>
@@ -2220,8 +2220,8 @@
         </p:nvSpPr>
         <p:spPr>
           <a:xfrm>
-            <a:off x="2601718" y="269485"/>
-            <a:ext cx="3098155" cy="1330094"/>
+            <a:off x="1301196" y="181485"/>
+            <a:ext cx="1549479" cy="895754"/>
           </a:xfrm>
         </p:spPr>
         <p:txBody>
@@ -2229,39 +2229,39 @@
           <a:lstStyle>
             <a:lvl1pPr marL="0" indent="0">
               <a:buNone/>
-              <a:defRPr sz="873"/>
+              <a:defRPr sz="588"/>
             </a:lvl1pPr>
-            <a:lvl2pPr marL="124770" indent="0">
-              <a:buNone/>
-              <a:defRPr sz="764"/>
+            <a:lvl2pPr marL="84033" indent="0">
+              <a:buNone/>
+              <a:defRPr sz="515"/>
             </a:lvl2pPr>
-            <a:lvl3pPr marL="249540" indent="0">
-              <a:buNone/>
-              <a:defRPr sz="655"/>
+            <a:lvl3pPr marL="168067" indent="0">
+              <a:buNone/>
+              <a:defRPr sz="441"/>
             </a:lvl3pPr>
-            <a:lvl4pPr marL="374310" indent="0">
-              <a:buNone/>
-              <a:defRPr sz="546"/>
+            <a:lvl4pPr marL="252100" indent="0">
+              <a:buNone/>
+              <a:defRPr sz="368"/>
             </a:lvl4pPr>
-            <a:lvl5pPr marL="499080" indent="0">
-              <a:buNone/>
-              <a:defRPr sz="546"/>
+            <a:lvl5pPr marL="336133" indent="0">
+              <a:buNone/>
+              <a:defRPr sz="368"/>
             </a:lvl5pPr>
-            <a:lvl6pPr marL="623849" indent="0">
-              <a:buNone/>
-              <a:defRPr sz="546"/>
+            <a:lvl6pPr marL="420167" indent="0">
+              <a:buNone/>
+              <a:defRPr sz="368"/>
             </a:lvl6pPr>
-            <a:lvl7pPr marL="748619" indent="0">
-              <a:buNone/>
-              <a:defRPr sz="546"/>
+            <a:lvl7pPr marL="504200" indent="0">
+              <a:buNone/>
+              <a:defRPr sz="368"/>
             </a:lvl7pPr>
-            <a:lvl8pPr marL="873389" indent="0">
-              <a:buNone/>
-              <a:defRPr sz="546"/>
+            <a:lvl8pPr marL="588234" indent="0">
+              <a:buNone/>
+              <a:defRPr sz="368"/>
             </a:lvl8pPr>
-            <a:lvl9pPr marL="998159" indent="0">
-              <a:buNone/>
-              <a:defRPr sz="546"/>
+            <a:lvl9pPr marL="672267" indent="0">
+              <a:buNone/>
+              <a:defRPr sz="368"/>
             </a:lvl9pPr>
           </a:lstStyle>
           <a:p>
@@ -2285,8 +2285,8 @@
         </p:nvSpPr>
         <p:spPr>
           <a:xfrm>
-            <a:off x="421534" y="561499"/>
-            <a:ext cx="1973799" cy="1040246"/>
+            <a:off x="210822" y="378142"/>
+            <a:ext cx="987155" cy="700556"/>
           </a:xfrm>
         </p:spPr>
         <p:txBody>
@@ -2294,39 +2294,39 @@
           <a:lstStyle>
             <a:lvl1pPr marL="0" indent="0">
               <a:buNone/>
-              <a:defRPr sz="437"/>
+              <a:defRPr sz="294"/>
             </a:lvl1pPr>
-            <a:lvl2pPr marL="124770" indent="0">
-              <a:buNone/>
-              <a:defRPr sz="382"/>
+            <a:lvl2pPr marL="84033" indent="0">
+              <a:buNone/>
+              <a:defRPr sz="257"/>
             </a:lvl2pPr>
-            <a:lvl3pPr marL="249540" indent="0">
-              <a:buNone/>
-              <a:defRPr sz="327"/>
+            <a:lvl3pPr marL="168067" indent="0">
+              <a:buNone/>
+              <a:defRPr sz="221"/>
             </a:lvl3pPr>
-            <a:lvl4pPr marL="374310" indent="0">
-              <a:buNone/>
-              <a:defRPr sz="273"/>
+            <a:lvl4pPr marL="252100" indent="0">
+              <a:buNone/>
+              <a:defRPr sz="184"/>
             </a:lvl4pPr>
-            <a:lvl5pPr marL="499080" indent="0">
-              <a:buNone/>
-              <a:defRPr sz="273"/>
+            <a:lvl5pPr marL="336133" indent="0">
+              <a:buNone/>
+              <a:defRPr sz="184"/>
             </a:lvl5pPr>
-            <a:lvl6pPr marL="623849" indent="0">
-              <a:buNone/>
-              <a:defRPr sz="273"/>
+            <a:lvl6pPr marL="420167" indent="0">
+              <a:buNone/>
+              <a:defRPr sz="184"/>
             </a:lvl6pPr>
-            <a:lvl7pPr marL="748619" indent="0">
-              <a:buNone/>
-              <a:defRPr sz="273"/>
+            <a:lvl7pPr marL="504200" indent="0">
+              <a:buNone/>
+              <a:defRPr sz="184"/>
             </a:lvl7pPr>
-            <a:lvl8pPr marL="873389" indent="0">
-              <a:buNone/>
-              <a:defRPr sz="273"/>
+            <a:lvl8pPr marL="588234" indent="0">
+              <a:buNone/>
+              <a:defRPr sz="184"/>
             </a:lvl8pPr>
-            <a:lvl9pPr marL="998159" indent="0">
-              <a:buNone/>
-              <a:defRPr sz="273"/>
+            <a:lvl9pPr marL="672267" indent="0">
+              <a:buNone/>
+              <a:defRPr sz="184"/>
             </a:lvl9pPr>
           </a:lstStyle>
           <a:p>
@@ -2355,7 +2355,7 @@
           <a:p>
             <a:fld id="{ED160DB6-C0DC-8946-AD05-C0754294CFDE}" type="datetimeFigureOut">
               <a:rPr lang="fr-FR" smtClean="0"/>
-              <a:t>25/06/2025</a:t>
+              <a:t>16/07/2025</a:t>
             </a:fld>
             <a:endParaRPr lang="fr-FR"/>
           </a:p>
@@ -2406,7 +2406,7 @@
     </p:spTree>
     <p:extLst>
       <p:ext uri="{BB962C8B-B14F-4D97-AF65-F5344CB8AC3E}">
-        <p14:creationId xmlns:p14="http://schemas.microsoft.com/office/powerpoint/2010/main" val="1170189041"/>
+        <p14:creationId xmlns:p14="http://schemas.microsoft.com/office/powerpoint/2010/main" val="1626407526"/>
       </p:ext>
     </p:extLst>
   </p:cSld>
@@ -2450,8 +2450,8 @@
         </p:nvSpPr>
         <p:spPr>
           <a:xfrm>
-            <a:off x="420737" y="99649"/>
-            <a:ext cx="5278339" cy="361768"/>
+            <a:off x="210423" y="67108"/>
+            <a:ext cx="2639854" cy="243634"/>
           </a:xfrm>
           <a:prstGeom prst="rect">
             <a:avLst/>
@@ -2483,8 +2483,8 @@
         </p:nvSpPr>
         <p:spPr>
           <a:xfrm>
-            <a:off x="420737" y="498244"/>
-            <a:ext cx="5278339" cy="1187553"/>
+            <a:off x="210423" y="335543"/>
+            <a:ext cx="2639854" cy="799760"/>
           </a:xfrm>
           <a:prstGeom prst="rect">
             <a:avLst/>
@@ -2545,8 +2545,8 @@
         </p:nvSpPr>
         <p:spPr>
           <a:xfrm>
-            <a:off x="420737" y="1734754"/>
-            <a:ext cx="1376958" cy="99649"/>
+            <a:off x="210423" y="1168273"/>
+            <a:ext cx="688658" cy="67109"/>
           </a:xfrm>
           <a:prstGeom prst="rect">
             <a:avLst/>
@@ -2556,7 +2556,7 @@
           <a:bodyPr vert="horz" lIns="91440" tIns="45720" rIns="91440" bIns="45720" rtlCol="0" anchor="ctr"/>
           <a:lstStyle>
             <a:lvl1pPr algn="l">
-              <a:defRPr sz="327">
+              <a:defRPr sz="221">
                 <a:solidFill>
                   <a:schemeClr val="tx1">
                     <a:tint val="75000"/>
@@ -2568,7 +2568,7 @@
           <a:p>
             <a:fld id="{ED160DB6-C0DC-8946-AD05-C0754294CFDE}" type="datetimeFigureOut">
               <a:rPr lang="fr-FR" smtClean="0"/>
-              <a:t>25/06/2025</a:t>
+              <a:t>16/07/2025</a:t>
             </a:fld>
             <a:endParaRPr lang="fr-FR"/>
           </a:p>
@@ -2586,8 +2586,8 @@
         </p:nvSpPr>
         <p:spPr>
           <a:xfrm>
-            <a:off x="2027188" y="1734754"/>
-            <a:ext cx="2065437" cy="99649"/>
+            <a:off x="1013857" y="1168273"/>
+            <a:ext cx="1032986" cy="67109"/>
           </a:xfrm>
           <a:prstGeom prst="rect">
             <a:avLst/>
@@ -2597,7 +2597,7 @@
           <a:bodyPr vert="horz" lIns="91440" tIns="45720" rIns="91440" bIns="45720" rtlCol="0" anchor="ctr"/>
           <a:lstStyle>
             <a:lvl1pPr algn="ctr">
-              <a:defRPr sz="327">
+              <a:defRPr sz="221">
                 <a:solidFill>
                   <a:schemeClr val="tx1">
                     <a:tint val="75000"/>
@@ -2623,8 +2623,8 @@
         </p:nvSpPr>
         <p:spPr>
           <a:xfrm>
-            <a:off x="4322118" y="1734754"/>
-            <a:ext cx="1376958" cy="99649"/>
+            <a:off x="2161619" y="1168273"/>
+            <a:ext cx="688658" cy="67109"/>
           </a:xfrm>
           <a:prstGeom prst="rect">
             <a:avLst/>
@@ -2634,7 +2634,7 @@
           <a:bodyPr vert="horz" lIns="91440" tIns="45720" rIns="91440" bIns="45720" rtlCol="0" anchor="ctr"/>
           <a:lstStyle>
             <a:lvl1pPr algn="r">
-              <a:defRPr sz="327">
+              <a:defRPr sz="221">
                 <a:solidFill>
                   <a:schemeClr val="tx1">
                     <a:tint val="75000"/>
@@ -2655,27 +2655,27 @@
     </p:spTree>
     <p:extLst>
       <p:ext uri="{BB962C8B-B14F-4D97-AF65-F5344CB8AC3E}">
-        <p14:creationId xmlns:p14="http://schemas.microsoft.com/office/powerpoint/2010/main" val="3170911575"/>
+        <p14:creationId xmlns:p14="http://schemas.microsoft.com/office/powerpoint/2010/main" val="814480041"/>
       </p:ext>
     </p:extLst>
   </p:cSld>
   <p:clrMap bg1="lt1" tx1="dk1" bg2="lt2" tx2="dk2" accent1="accent1" accent2="accent2" accent3="accent3" accent4="accent4" accent5="accent5" accent6="accent6" hlink="hlink" folHlink="folHlink"/>
   <p:sldLayoutIdLst>
-    <p:sldLayoutId id="2147483721" r:id="rId1"/>
-    <p:sldLayoutId id="2147483722" r:id="rId2"/>
-    <p:sldLayoutId id="2147483723" r:id="rId3"/>
-    <p:sldLayoutId id="2147483724" r:id="rId4"/>
-    <p:sldLayoutId id="2147483725" r:id="rId5"/>
-    <p:sldLayoutId id="2147483726" r:id="rId6"/>
-    <p:sldLayoutId id="2147483727" r:id="rId7"/>
-    <p:sldLayoutId id="2147483728" r:id="rId8"/>
-    <p:sldLayoutId id="2147483729" r:id="rId9"/>
-    <p:sldLayoutId id="2147483730" r:id="rId10"/>
-    <p:sldLayoutId id="2147483731" r:id="rId11"/>
+    <p:sldLayoutId id="2147483697" r:id="rId1"/>
+    <p:sldLayoutId id="2147483698" r:id="rId2"/>
+    <p:sldLayoutId id="2147483699" r:id="rId3"/>
+    <p:sldLayoutId id="2147483700" r:id="rId4"/>
+    <p:sldLayoutId id="2147483701" r:id="rId5"/>
+    <p:sldLayoutId id="2147483702" r:id="rId6"/>
+    <p:sldLayoutId id="2147483703" r:id="rId7"/>
+    <p:sldLayoutId id="2147483704" r:id="rId8"/>
+    <p:sldLayoutId id="2147483705" r:id="rId9"/>
+    <p:sldLayoutId id="2147483706" r:id="rId10"/>
+    <p:sldLayoutId id="2147483707" r:id="rId11"/>
   </p:sldLayoutIdLst>
   <p:txStyles>
     <p:titleStyle>
-      <a:lvl1pPr algn="l" defTabSz="249540" rtl="0" eaLnBrk="1" latinLnBrk="0" hangingPunct="1">
+      <a:lvl1pPr algn="l" defTabSz="168067" rtl="0" eaLnBrk="1" latinLnBrk="0" hangingPunct="1">
         <a:lnSpc>
           <a:spcPct val="90000"/>
         </a:lnSpc>
@@ -2683,7 +2683,7 @@
           <a:spcPct val="0"/>
         </a:spcBef>
         <a:buNone/>
-        <a:defRPr sz="1201" kern="1200">
+        <a:defRPr sz="809" kern="1200">
           <a:solidFill>
             <a:schemeClr val="tx1"/>
           </a:solidFill>
@@ -2694,16 +2694,16 @@
       </a:lvl1pPr>
     </p:titleStyle>
     <p:bodyStyle>
-      <a:lvl1pPr marL="62385" indent="-62385" algn="l" defTabSz="249540" rtl="0" eaLnBrk="1" latinLnBrk="0" hangingPunct="1">
+      <a:lvl1pPr marL="42017" indent="-42017" algn="l" defTabSz="168067" rtl="0" eaLnBrk="1" latinLnBrk="0" hangingPunct="1">
         <a:lnSpc>
           <a:spcPct val="90000"/>
         </a:lnSpc>
         <a:spcBef>
-          <a:spcPts val="273"/>
+          <a:spcPts val="184"/>
         </a:spcBef>
         <a:buFont typeface="Arial" panose="020B0604020202020204" pitchFamily="34" charset="0"/>
         <a:buChar char="•"/>
-        <a:defRPr sz="764" kern="1200">
+        <a:defRPr sz="515" kern="1200">
           <a:solidFill>
             <a:schemeClr val="tx1"/>
           </a:solidFill>
@@ -2712,16 +2712,16 @@
           <a:cs typeface="+mn-cs"/>
         </a:defRPr>
       </a:lvl1pPr>
-      <a:lvl2pPr marL="187155" indent="-62385" algn="l" defTabSz="249540" rtl="0" eaLnBrk="1" latinLnBrk="0" hangingPunct="1">
+      <a:lvl2pPr marL="126050" indent="-42017" algn="l" defTabSz="168067" rtl="0" eaLnBrk="1" latinLnBrk="0" hangingPunct="1">
         <a:lnSpc>
           <a:spcPct val="90000"/>
         </a:lnSpc>
         <a:spcBef>
-          <a:spcPts val="136"/>
+          <a:spcPts val="92"/>
         </a:spcBef>
         <a:buFont typeface="Arial" panose="020B0604020202020204" pitchFamily="34" charset="0"/>
         <a:buChar char="•"/>
-        <a:defRPr sz="655" kern="1200">
+        <a:defRPr sz="441" kern="1200">
           <a:solidFill>
             <a:schemeClr val="tx1"/>
           </a:solidFill>
@@ -2730,16 +2730,16 @@
           <a:cs typeface="+mn-cs"/>
         </a:defRPr>
       </a:lvl2pPr>
-      <a:lvl3pPr marL="311925" indent="-62385" algn="l" defTabSz="249540" rtl="0" eaLnBrk="1" latinLnBrk="0" hangingPunct="1">
+      <a:lvl3pPr marL="210083" indent="-42017" algn="l" defTabSz="168067" rtl="0" eaLnBrk="1" latinLnBrk="0" hangingPunct="1">
         <a:lnSpc>
           <a:spcPct val="90000"/>
         </a:lnSpc>
         <a:spcBef>
-          <a:spcPts val="136"/>
+          <a:spcPts val="92"/>
         </a:spcBef>
         <a:buFont typeface="Arial" panose="020B0604020202020204" pitchFamily="34" charset="0"/>
         <a:buChar char="•"/>
-        <a:defRPr sz="546" kern="1200">
+        <a:defRPr sz="368" kern="1200">
           <a:solidFill>
             <a:schemeClr val="tx1"/>
           </a:solidFill>
@@ -2748,16 +2748,16 @@
           <a:cs typeface="+mn-cs"/>
         </a:defRPr>
       </a:lvl3pPr>
-      <a:lvl4pPr marL="436695" indent="-62385" algn="l" defTabSz="249540" rtl="0" eaLnBrk="1" latinLnBrk="0" hangingPunct="1">
+      <a:lvl4pPr marL="294117" indent="-42017" algn="l" defTabSz="168067" rtl="0" eaLnBrk="1" latinLnBrk="0" hangingPunct="1">
         <a:lnSpc>
           <a:spcPct val="90000"/>
         </a:lnSpc>
         <a:spcBef>
-          <a:spcPts val="136"/>
+          <a:spcPts val="92"/>
         </a:spcBef>
         <a:buFont typeface="Arial" panose="020B0604020202020204" pitchFamily="34" charset="0"/>
         <a:buChar char="•"/>
-        <a:defRPr sz="491" kern="1200">
+        <a:defRPr sz="331" kern="1200">
           <a:solidFill>
             <a:schemeClr val="tx1"/>
           </a:solidFill>
@@ -2766,16 +2766,16 @@
           <a:cs typeface="+mn-cs"/>
         </a:defRPr>
       </a:lvl4pPr>
-      <a:lvl5pPr marL="561464" indent="-62385" algn="l" defTabSz="249540" rtl="0" eaLnBrk="1" latinLnBrk="0" hangingPunct="1">
+      <a:lvl5pPr marL="378150" indent="-42017" algn="l" defTabSz="168067" rtl="0" eaLnBrk="1" latinLnBrk="0" hangingPunct="1">
         <a:lnSpc>
           <a:spcPct val="90000"/>
         </a:lnSpc>
         <a:spcBef>
-          <a:spcPts val="136"/>
+          <a:spcPts val="92"/>
         </a:spcBef>
         <a:buFont typeface="Arial" panose="020B0604020202020204" pitchFamily="34" charset="0"/>
         <a:buChar char="•"/>
-        <a:defRPr sz="491" kern="1200">
+        <a:defRPr sz="331" kern="1200">
           <a:solidFill>
             <a:schemeClr val="tx1"/>
           </a:solidFill>
@@ -2784,16 +2784,16 @@
           <a:cs typeface="+mn-cs"/>
         </a:defRPr>
       </a:lvl5pPr>
-      <a:lvl6pPr marL="686234" indent="-62385" algn="l" defTabSz="249540" rtl="0" eaLnBrk="1" latinLnBrk="0" hangingPunct="1">
+      <a:lvl6pPr marL="462183" indent="-42017" algn="l" defTabSz="168067" rtl="0" eaLnBrk="1" latinLnBrk="0" hangingPunct="1">
         <a:lnSpc>
           <a:spcPct val="90000"/>
         </a:lnSpc>
         <a:spcBef>
-          <a:spcPts val="136"/>
+          <a:spcPts val="92"/>
         </a:spcBef>
         <a:buFont typeface="Arial" panose="020B0604020202020204" pitchFamily="34" charset="0"/>
         <a:buChar char="•"/>
-        <a:defRPr sz="491" kern="1200">
+        <a:defRPr sz="331" kern="1200">
           <a:solidFill>
             <a:schemeClr val="tx1"/>
           </a:solidFill>
@@ -2802,16 +2802,16 @@
           <a:cs typeface="+mn-cs"/>
         </a:defRPr>
       </a:lvl6pPr>
-      <a:lvl7pPr marL="811004" indent="-62385" algn="l" defTabSz="249540" rtl="0" eaLnBrk="1" latinLnBrk="0" hangingPunct="1">
+      <a:lvl7pPr marL="546217" indent="-42017" algn="l" defTabSz="168067" rtl="0" eaLnBrk="1" latinLnBrk="0" hangingPunct="1">
         <a:lnSpc>
           <a:spcPct val="90000"/>
         </a:lnSpc>
         <a:spcBef>
-          <a:spcPts val="136"/>
+          <a:spcPts val="92"/>
         </a:spcBef>
         <a:buFont typeface="Arial" panose="020B0604020202020204" pitchFamily="34" charset="0"/>
         <a:buChar char="•"/>
-        <a:defRPr sz="491" kern="1200">
+        <a:defRPr sz="331" kern="1200">
           <a:solidFill>
             <a:schemeClr val="tx1"/>
           </a:solidFill>
@@ -2820,16 +2820,16 @@
           <a:cs typeface="+mn-cs"/>
         </a:defRPr>
       </a:lvl7pPr>
-      <a:lvl8pPr marL="935774" indent="-62385" algn="l" defTabSz="249540" rtl="0" eaLnBrk="1" latinLnBrk="0" hangingPunct="1">
+      <a:lvl8pPr marL="630250" indent="-42017" algn="l" defTabSz="168067" rtl="0" eaLnBrk="1" latinLnBrk="0" hangingPunct="1">
         <a:lnSpc>
           <a:spcPct val="90000"/>
         </a:lnSpc>
         <a:spcBef>
-          <a:spcPts val="136"/>
+          <a:spcPts val="92"/>
         </a:spcBef>
         <a:buFont typeface="Arial" panose="020B0604020202020204" pitchFamily="34" charset="0"/>
         <a:buChar char="•"/>
-        <a:defRPr sz="491" kern="1200">
+        <a:defRPr sz="331" kern="1200">
           <a:solidFill>
             <a:schemeClr val="tx1"/>
           </a:solidFill>
@@ -2838,16 +2838,16 @@
           <a:cs typeface="+mn-cs"/>
         </a:defRPr>
       </a:lvl8pPr>
-      <a:lvl9pPr marL="1060544" indent="-62385" algn="l" defTabSz="249540" rtl="0" eaLnBrk="1" latinLnBrk="0" hangingPunct="1">
+      <a:lvl9pPr marL="714284" indent="-42017" algn="l" defTabSz="168067" rtl="0" eaLnBrk="1" latinLnBrk="0" hangingPunct="1">
         <a:lnSpc>
           <a:spcPct val="90000"/>
         </a:lnSpc>
         <a:spcBef>
-          <a:spcPts val="136"/>
+          <a:spcPts val="92"/>
         </a:spcBef>
         <a:buFont typeface="Arial" panose="020B0604020202020204" pitchFamily="34" charset="0"/>
         <a:buChar char="•"/>
-        <a:defRPr sz="491" kern="1200">
+        <a:defRPr sz="331" kern="1200">
           <a:solidFill>
             <a:schemeClr val="tx1"/>
           </a:solidFill>
@@ -2861,8 +2861,8 @@
       <a:defPPr>
         <a:defRPr lang="en-US"/>
       </a:defPPr>
-      <a:lvl1pPr marL="0" algn="l" defTabSz="249540" rtl="0" eaLnBrk="1" latinLnBrk="0" hangingPunct="1">
-        <a:defRPr sz="491" kern="1200">
+      <a:lvl1pPr marL="0" algn="l" defTabSz="168067" rtl="0" eaLnBrk="1" latinLnBrk="0" hangingPunct="1">
+        <a:defRPr sz="331" kern="1200">
           <a:solidFill>
             <a:schemeClr val="tx1"/>
           </a:solidFill>
@@ -2871,8 +2871,8 @@
           <a:cs typeface="+mn-cs"/>
         </a:defRPr>
       </a:lvl1pPr>
-      <a:lvl2pPr marL="124770" algn="l" defTabSz="249540" rtl="0" eaLnBrk="1" latinLnBrk="0" hangingPunct="1">
-        <a:defRPr sz="491" kern="1200">
+      <a:lvl2pPr marL="84033" algn="l" defTabSz="168067" rtl="0" eaLnBrk="1" latinLnBrk="0" hangingPunct="1">
+        <a:defRPr sz="331" kern="1200">
           <a:solidFill>
             <a:schemeClr val="tx1"/>
           </a:solidFill>
@@ -2881,8 +2881,8 @@
           <a:cs typeface="+mn-cs"/>
         </a:defRPr>
       </a:lvl2pPr>
-      <a:lvl3pPr marL="249540" algn="l" defTabSz="249540" rtl="0" eaLnBrk="1" latinLnBrk="0" hangingPunct="1">
-        <a:defRPr sz="491" kern="1200">
+      <a:lvl3pPr marL="168067" algn="l" defTabSz="168067" rtl="0" eaLnBrk="1" latinLnBrk="0" hangingPunct="1">
+        <a:defRPr sz="331" kern="1200">
           <a:solidFill>
             <a:schemeClr val="tx1"/>
           </a:solidFill>
@@ -2891,8 +2891,8 @@
           <a:cs typeface="+mn-cs"/>
         </a:defRPr>
       </a:lvl3pPr>
-      <a:lvl4pPr marL="374310" algn="l" defTabSz="249540" rtl="0" eaLnBrk="1" latinLnBrk="0" hangingPunct="1">
-        <a:defRPr sz="491" kern="1200">
+      <a:lvl4pPr marL="252100" algn="l" defTabSz="168067" rtl="0" eaLnBrk="1" latinLnBrk="0" hangingPunct="1">
+        <a:defRPr sz="331" kern="1200">
           <a:solidFill>
             <a:schemeClr val="tx1"/>
           </a:solidFill>
@@ -2901,8 +2901,8 @@
           <a:cs typeface="+mn-cs"/>
         </a:defRPr>
       </a:lvl4pPr>
-      <a:lvl5pPr marL="499080" algn="l" defTabSz="249540" rtl="0" eaLnBrk="1" latinLnBrk="0" hangingPunct="1">
-        <a:defRPr sz="491" kern="1200">
+      <a:lvl5pPr marL="336133" algn="l" defTabSz="168067" rtl="0" eaLnBrk="1" latinLnBrk="0" hangingPunct="1">
+        <a:defRPr sz="331" kern="1200">
           <a:solidFill>
             <a:schemeClr val="tx1"/>
           </a:solidFill>
@@ -2911,8 +2911,8 @@
           <a:cs typeface="+mn-cs"/>
         </a:defRPr>
       </a:lvl5pPr>
-      <a:lvl6pPr marL="623849" algn="l" defTabSz="249540" rtl="0" eaLnBrk="1" latinLnBrk="0" hangingPunct="1">
-        <a:defRPr sz="491" kern="1200">
+      <a:lvl6pPr marL="420167" algn="l" defTabSz="168067" rtl="0" eaLnBrk="1" latinLnBrk="0" hangingPunct="1">
+        <a:defRPr sz="331" kern="1200">
           <a:solidFill>
             <a:schemeClr val="tx1"/>
           </a:solidFill>
@@ -2921,8 +2921,8 @@
           <a:cs typeface="+mn-cs"/>
         </a:defRPr>
       </a:lvl6pPr>
-      <a:lvl7pPr marL="748619" algn="l" defTabSz="249540" rtl="0" eaLnBrk="1" latinLnBrk="0" hangingPunct="1">
-        <a:defRPr sz="491" kern="1200">
+      <a:lvl7pPr marL="504200" algn="l" defTabSz="168067" rtl="0" eaLnBrk="1" latinLnBrk="0" hangingPunct="1">
+        <a:defRPr sz="331" kern="1200">
           <a:solidFill>
             <a:schemeClr val="tx1"/>
           </a:solidFill>
@@ -2931,8 +2931,8 @@
           <a:cs typeface="+mn-cs"/>
         </a:defRPr>
       </a:lvl7pPr>
-      <a:lvl8pPr marL="873389" algn="l" defTabSz="249540" rtl="0" eaLnBrk="1" latinLnBrk="0" hangingPunct="1">
-        <a:defRPr sz="491" kern="1200">
+      <a:lvl8pPr marL="588234" algn="l" defTabSz="168067" rtl="0" eaLnBrk="1" latinLnBrk="0" hangingPunct="1">
+        <a:defRPr sz="331" kern="1200">
           <a:solidFill>
             <a:schemeClr val="tx1"/>
           </a:solidFill>
@@ -2941,8 +2941,8 @@
           <a:cs typeface="+mn-cs"/>
         </a:defRPr>
       </a:lvl8pPr>
-      <a:lvl9pPr marL="998159" algn="l" defTabSz="249540" rtl="0" eaLnBrk="1" latinLnBrk="0" hangingPunct="1">
-        <a:defRPr sz="491" kern="1200">
+      <a:lvl9pPr marL="672267" algn="l" defTabSz="168067" rtl="0" eaLnBrk="1" latinLnBrk="0" hangingPunct="1">
+        <a:defRPr sz="331" kern="1200">
           <a:solidFill>
             <a:schemeClr val="tx1"/>
           </a:solidFill>
@@ -2973,107 +2973,6 @@
           <a:chExt cx="0" cy="0"/>
         </a:xfrm>
       </p:grpSpPr>
-      <p:pic>
-        <p:nvPicPr>
-          <p:cNvPr id="52" name="Image 51">
-            <a:extLst>
-              <a:ext uri="{FF2B5EF4-FFF2-40B4-BE49-F238E27FC236}">
-                <a16:creationId xmlns:a16="http://schemas.microsoft.com/office/drawing/2014/main" id="{918DB5F1-4972-25AA-132E-994564447D82}"/>
-              </a:ext>
-            </a:extLst>
-          </p:cNvPr>
-          <p:cNvPicPr>
-            <a:picLocks noChangeAspect="1"/>
-          </p:cNvPicPr>
-          <p:nvPr/>
-        </p:nvPicPr>
-        <p:blipFill>
-          <a:blip r:embed="rId2"/>
-          <a:srcRect r="3054"/>
-          <a:stretch>
-            <a:fillRect/>
-          </a:stretch>
-        </p:blipFill>
-        <p:spPr>
-          <a:xfrm>
-            <a:off x="2327267" y="36546"/>
-            <a:ext cx="3711948" cy="1798573"/>
-          </a:xfrm>
-          <a:prstGeom prst="rect">
-            <a:avLst/>
-          </a:prstGeom>
-        </p:spPr>
-      </p:pic>
-      <p:sp>
-        <p:nvSpPr>
-          <p:cNvPr id="20" name="ZoneTexte 19">
-            <a:extLst>
-              <a:ext uri="{FF2B5EF4-FFF2-40B4-BE49-F238E27FC236}">
-                <a16:creationId xmlns:a16="http://schemas.microsoft.com/office/drawing/2014/main" id="{72E01FBA-D518-D770-65C9-CA3D02D9B0E7}"/>
-              </a:ext>
-            </a:extLst>
-          </p:cNvPr>
-          <p:cNvSpPr txBox="1"/>
-          <p:nvPr/>
-        </p:nvSpPr>
-        <p:spPr>
-          <a:xfrm>
-            <a:off x="0" y="-24439"/>
-            <a:ext cx="335348" cy="246221"/>
-          </a:xfrm>
-          <a:prstGeom prst="rect">
-            <a:avLst/>
-          </a:prstGeom>
-          <a:noFill/>
-        </p:spPr>
-        <p:txBody>
-          <a:bodyPr wrap="none" rtlCol="0">
-            <a:spAutoFit/>
-          </a:bodyPr>
-          <a:lstStyle/>
-          <a:p>
-            <a:r>
-              <a:rPr lang="fr-FR" sz="1000" dirty="0"/>
-              <a:t>(A)</a:t>
-            </a:r>
-          </a:p>
-        </p:txBody>
-      </p:sp>
-      <p:sp>
-        <p:nvSpPr>
-          <p:cNvPr id="21" name="ZoneTexte 20">
-            <a:extLst>
-              <a:ext uri="{FF2B5EF4-FFF2-40B4-BE49-F238E27FC236}">
-                <a16:creationId xmlns:a16="http://schemas.microsoft.com/office/drawing/2014/main" id="{E9497EF0-316A-9BAC-0EAA-1C79FD33B1B2}"/>
-              </a:ext>
-            </a:extLst>
-          </p:cNvPr>
-          <p:cNvSpPr txBox="1"/>
-          <p:nvPr/>
-        </p:nvSpPr>
-        <p:spPr>
-          <a:xfrm>
-            <a:off x="2279029" y="-23320"/>
-            <a:ext cx="332142" cy="246221"/>
-          </a:xfrm>
-          <a:prstGeom prst="rect">
-            <a:avLst/>
-          </a:prstGeom>
-          <a:noFill/>
-        </p:spPr>
-        <p:txBody>
-          <a:bodyPr wrap="none" rtlCol="0">
-            <a:spAutoFit/>
-          </a:bodyPr>
-          <a:lstStyle/>
-          <a:p>
-            <a:r>
-              <a:rPr lang="fr-FR" sz="1000" dirty="0"/>
-              <a:t>(B)</a:t>
-            </a:r>
-          </a:p>
-        </p:txBody>
-      </p:sp>
       <p:sp>
         <p:nvSpPr>
           <p:cNvPr id="24" name="ZoneTexte 23">
@@ -3088,8 +2987,8 @@
         </p:nvSpPr>
         <p:spPr>
           <a:xfrm>
-            <a:off x="4097348" y="-23320"/>
-            <a:ext cx="330540" cy="246221"/>
+            <a:off x="0" y="60658"/>
+            <a:ext cx="277640" cy="184666"/>
           </a:xfrm>
           <a:prstGeom prst="rect">
             <a:avLst/>
@@ -3103,65 +3002,18 @@
           <a:lstStyle/>
           <a:p>
             <a:r>
-              <a:rPr lang="fr-FR" sz="1000" dirty="0"/>
-              <a:t>(C)</a:t>
-            </a:r>
-          </a:p>
-        </p:txBody>
-      </p:sp>
-      <p:sp>
-        <p:nvSpPr>
-          <p:cNvPr id="146" name="Rectangle : coins arrondis 145">
+              <a:rPr lang="fr-FR" sz="600" dirty="0"/>
+              <a:t>(A)</a:t>
+            </a:r>
+          </a:p>
+        </p:txBody>
+      </p:sp>
+      <p:sp>
+        <p:nvSpPr>
+          <p:cNvPr id="119" name="ZoneTexte 118">
             <a:extLst>
               <a:ext uri="{FF2B5EF4-FFF2-40B4-BE49-F238E27FC236}">
-                <a16:creationId xmlns:a16="http://schemas.microsoft.com/office/drawing/2014/main" id="{D76107C6-330F-ABD7-98BD-895DF2544441}"/>
-              </a:ext>
-            </a:extLst>
-          </p:cNvPr>
-          <p:cNvSpPr/>
-          <p:nvPr/>
-        </p:nvSpPr>
-        <p:spPr>
-          <a:xfrm>
-            <a:off x="49520" y="752273"/>
-            <a:ext cx="902811" cy="400543"/>
-          </a:xfrm>
-          <a:prstGeom prst="roundRect">
-            <a:avLst/>
-          </a:prstGeom>
-          <a:noFill/>
-        </p:spPr>
-        <p:style>
-          <a:lnRef idx="2">
-            <a:schemeClr val="accent1">
-              <a:shade val="15000"/>
-            </a:schemeClr>
-          </a:lnRef>
-          <a:fillRef idx="1">
-            <a:schemeClr val="accent1"/>
-          </a:fillRef>
-          <a:effectRef idx="0">
-            <a:schemeClr val="accent1"/>
-          </a:effectRef>
-          <a:fontRef idx="minor">
-            <a:schemeClr val="lt1"/>
-          </a:fontRef>
-        </p:style>
-        <p:txBody>
-          <a:bodyPr rtlCol="0" anchor="ctr"/>
-          <a:lstStyle/>
-          <a:p>
-            <a:pPr algn="ctr"/>
-            <a:endParaRPr lang="en-GB" dirty="0"/>
-          </a:p>
-        </p:txBody>
-      </p:sp>
-      <p:sp>
-        <p:nvSpPr>
-          <p:cNvPr id="151" name="ZoneTexte 150">
-            <a:extLst>
-              <a:ext uri="{FF2B5EF4-FFF2-40B4-BE49-F238E27FC236}">
-                <a16:creationId xmlns:a16="http://schemas.microsoft.com/office/drawing/2014/main" id="{D4853588-D01B-5F8F-E5C1-4752BBAA41A1}"/>
+                <a16:creationId xmlns:a16="http://schemas.microsoft.com/office/drawing/2014/main" id="{7E2358E3-77C2-6425-492C-F7161F352D6D}"/>
               </a:ext>
             </a:extLst>
           </p:cNvPr>
@@ -3170,8 +3022,8 @@
         </p:nvSpPr>
         <p:spPr>
           <a:xfrm>
-            <a:off x="275212" y="760355"/>
-            <a:ext cx="607740" cy="153888"/>
+            <a:off x="1447399" y="60658"/>
+            <a:ext cx="274434" cy="184666"/>
           </a:xfrm>
           <a:prstGeom prst="rect">
             <a:avLst/>
@@ -3179,642 +3031,18 @@
           <a:noFill/>
         </p:spPr>
         <p:txBody>
-          <a:bodyPr wrap="square" rtlCol="0">
+          <a:bodyPr wrap="none" rtlCol="0">
             <a:spAutoFit/>
           </a:bodyPr>
           <a:lstStyle/>
           <a:p>
             <a:r>
-              <a:rPr lang="en-GB" sz="400" dirty="0"/>
-              <a:t>Blood markers </a:t>
-            </a:r>
-          </a:p>
-        </p:txBody>
-      </p:sp>
-      <p:sp>
-        <p:nvSpPr>
-          <p:cNvPr id="152" name="ZoneTexte 151">
-            <a:extLst>
-              <a:ext uri="{FF2B5EF4-FFF2-40B4-BE49-F238E27FC236}">
-                <a16:creationId xmlns:a16="http://schemas.microsoft.com/office/drawing/2014/main" id="{A34E271F-EFF1-2090-CA53-6E6E186D899C}"/>
-              </a:ext>
-            </a:extLst>
-          </p:cNvPr>
-          <p:cNvSpPr txBox="1"/>
-          <p:nvPr/>
-        </p:nvSpPr>
-        <p:spPr>
-          <a:xfrm>
-            <a:off x="275212" y="837276"/>
-            <a:ext cx="607740" cy="215444"/>
-          </a:xfrm>
-          <a:prstGeom prst="rect">
-            <a:avLst/>
-          </a:prstGeom>
-          <a:noFill/>
-        </p:spPr>
-        <p:txBody>
-          <a:bodyPr wrap="square" rtlCol="0">
-            <a:spAutoFit/>
-          </a:bodyPr>
-          <a:lstStyle/>
-          <a:p>
-            <a:pPr algn="just"/>
-            <a:r>
-              <a:rPr lang="en-GB" sz="400" dirty="0"/>
-              <a:t>Serum Mid-infrared spectroscopy</a:t>
-            </a:r>
-          </a:p>
-        </p:txBody>
-      </p:sp>
-      <p:sp>
-        <p:nvSpPr>
-          <p:cNvPr id="153" name="ZoneTexte 152">
-            <a:extLst>
-              <a:ext uri="{FF2B5EF4-FFF2-40B4-BE49-F238E27FC236}">
-                <a16:creationId xmlns:a16="http://schemas.microsoft.com/office/drawing/2014/main" id="{6A694BEC-7636-6B36-C36B-2D3AEBCE77D5}"/>
-              </a:ext>
-            </a:extLst>
-          </p:cNvPr>
-          <p:cNvSpPr txBox="1"/>
-          <p:nvPr/>
-        </p:nvSpPr>
-        <p:spPr>
-          <a:xfrm>
-            <a:off x="275212" y="985843"/>
-            <a:ext cx="607740" cy="153888"/>
-          </a:xfrm>
-          <a:prstGeom prst="rect">
-            <a:avLst/>
-          </a:prstGeom>
-          <a:noFill/>
-        </p:spPr>
-        <p:txBody>
-          <a:bodyPr wrap="square" rtlCol="0">
-            <a:spAutoFit/>
-          </a:bodyPr>
-          <a:lstStyle/>
-          <a:p>
-            <a:pPr algn="just"/>
-            <a:r>
-              <a:rPr lang="en-GB" sz="400" dirty="0"/>
-              <a:t>Serum metallome</a:t>
-            </a:r>
-          </a:p>
-        </p:txBody>
-      </p:sp>
-      <p:pic>
-        <p:nvPicPr>
-          <p:cNvPr id="155" name="Image 154">
-            <a:extLst>
-              <a:ext uri="{FF2B5EF4-FFF2-40B4-BE49-F238E27FC236}">
-                <a16:creationId xmlns:a16="http://schemas.microsoft.com/office/drawing/2014/main" id="{A1115FA2-4F4C-2BBE-1D42-7B3CABC5BF07}"/>
-              </a:ext>
-            </a:extLst>
-          </p:cNvPr>
-          <p:cNvPicPr>
-            <a:picLocks noChangeAspect="1"/>
-          </p:cNvPicPr>
-          <p:nvPr/>
-        </p:nvPicPr>
-        <p:blipFill>
-          <a:blip r:embed="rId3"/>
-          <a:stretch>
-            <a:fillRect/>
-          </a:stretch>
-        </p:blipFill>
-        <p:spPr>
-          <a:xfrm>
-            <a:off x="90500" y="822156"/>
-            <a:ext cx="239348" cy="239348"/>
-          </a:xfrm>
-          <a:prstGeom prst="rect">
-            <a:avLst/>
-          </a:prstGeom>
-        </p:spPr>
-      </p:pic>
-      <p:cxnSp>
-        <p:nvCxnSpPr>
-          <p:cNvPr id="22" name="Connecteur en angle 21">
-            <a:extLst>
-              <a:ext uri="{FF2B5EF4-FFF2-40B4-BE49-F238E27FC236}">
-                <a16:creationId xmlns:a16="http://schemas.microsoft.com/office/drawing/2014/main" id="{18460DF0-0E59-E6F7-1BDB-4A28E0113D40}"/>
-              </a:ext>
-            </a:extLst>
-          </p:cNvPr>
-          <p:cNvCxnSpPr>
-            <a:cxnSpLocks/>
-            <a:stCxn id="146" idx="3"/>
-            <a:endCxn id="25" idx="1"/>
-          </p:cNvCxnSpPr>
-          <p:nvPr/>
-        </p:nvCxnSpPr>
-        <p:spPr>
-          <a:xfrm flipV="1">
-            <a:off x="952331" y="461066"/>
-            <a:ext cx="376247" cy="491479"/>
-          </a:xfrm>
-          <a:prstGeom prst="bentConnector3">
-            <a:avLst/>
-          </a:prstGeom>
-          <a:ln>
-            <a:tailEnd type="triangle"/>
-          </a:ln>
-        </p:spPr>
-        <p:style>
-          <a:lnRef idx="1">
-            <a:schemeClr val="dk1"/>
-          </a:lnRef>
-          <a:fillRef idx="0">
-            <a:schemeClr val="dk1"/>
-          </a:fillRef>
-          <a:effectRef idx="0">
-            <a:schemeClr val="dk1"/>
-          </a:effectRef>
-          <a:fontRef idx="minor">
-            <a:schemeClr val="tx1"/>
-          </a:fontRef>
-        </p:style>
-      </p:cxnSp>
-      <p:sp>
-        <p:nvSpPr>
-          <p:cNvPr id="25" name="Rectangle : coins arrondis 24">
-            <a:extLst>
-              <a:ext uri="{FF2B5EF4-FFF2-40B4-BE49-F238E27FC236}">
-                <a16:creationId xmlns:a16="http://schemas.microsoft.com/office/drawing/2014/main" id="{E699E279-5D85-32AB-9970-74F7644A1A69}"/>
-              </a:ext>
-            </a:extLst>
-          </p:cNvPr>
-          <p:cNvSpPr/>
-          <p:nvPr/>
-        </p:nvSpPr>
-        <p:spPr>
-          <a:xfrm>
-            <a:off x="1328578" y="260794"/>
-            <a:ext cx="902811" cy="400543"/>
-          </a:xfrm>
-          <a:prstGeom prst="roundRect">
-            <a:avLst/>
-          </a:prstGeom>
-          <a:solidFill>
-            <a:srgbClr val="B32221">
-              <a:alpha val="20000"/>
-            </a:srgbClr>
-          </a:solidFill>
-        </p:spPr>
-        <p:style>
-          <a:lnRef idx="2">
-            <a:schemeClr val="accent1">
-              <a:shade val="15000"/>
-            </a:schemeClr>
-          </a:lnRef>
-          <a:fillRef idx="1">
-            <a:schemeClr val="accent1"/>
-          </a:fillRef>
-          <a:effectRef idx="0">
-            <a:schemeClr val="accent1"/>
-          </a:effectRef>
-          <a:fontRef idx="minor">
-            <a:schemeClr val="lt1"/>
-          </a:fontRef>
-        </p:style>
-        <p:txBody>
-          <a:bodyPr rtlCol="0" anchor="ctr"/>
-          <a:lstStyle/>
-          <a:p>
-            <a:pPr algn="ctr"/>
-            <a:endParaRPr lang="en-GB" dirty="0"/>
-          </a:p>
-        </p:txBody>
-      </p:sp>
-      <p:sp>
-        <p:nvSpPr>
-          <p:cNvPr id="26" name="Rectangle : coins arrondis 25">
-            <a:extLst>
-              <a:ext uri="{FF2B5EF4-FFF2-40B4-BE49-F238E27FC236}">
-                <a16:creationId xmlns:a16="http://schemas.microsoft.com/office/drawing/2014/main" id="{64C367CC-F1AA-EC19-0CAF-73BC6E15E37C}"/>
-              </a:ext>
-            </a:extLst>
-          </p:cNvPr>
-          <p:cNvSpPr/>
-          <p:nvPr/>
-        </p:nvSpPr>
-        <p:spPr>
-          <a:xfrm>
-            <a:off x="1328578" y="752273"/>
-            <a:ext cx="902811" cy="400543"/>
-          </a:xfrm>
-          <a:prstGeom prst="roundRect">
-            <a:avLst/>
-          </a:prstGeom>
-          <a:solidFill>
-            <a:srgbClr val="6495ED">
-              <a:alpha val="20000"/>
-            </a:srgbClr>
-          </a:solidFill>
-        </p:spPr>
-        <p:style>
-          <a:lnRef idx="2">
-            <a:schemeClr val="accent1">
-              <a:shade val="15000"/>
-            </a:schemeClr>
-          </a:lnRef>
-          <a:fillRef idx="1">
-            <a:schemeClr val="accent1"/>
-          </a:fillRef>
-          <a:effectRef idx="0">
-            <a:schemeClr val="accent1"/>
-          </a:effectRef>
-          <a:fontRef idx="minor">
-            <a:schemeClr val="lt1"/>
-          </a:fontRef>
-        </p:style>
-        <p:txBody>
-          <a:bodyPr rtlCol="0" anchor="ctr"/>
-          <a:lstStyle/>
-          <a:p>
-            <a:pPr algn="ctr"/>
-            <a:endParaRPr lang="en-GB" dirty="0"/>
-          </a:p>
-        </p:txBody>
-      </p:sp>
-      <p:sp>
-        <p:nvSpPr>
-          <p:cNvPr id="27" name="Rectangle : coins arrondis 26">
-            <a:extLst>
-              <a:ext uri="{FF2B5EF4-FFF2-40B4-BE49-F238E27FC236}">
-                <a16:creationId xmlns:a16="http://schemas.microsoft.com/office/drawing/2014/main" id="{FFD30FCE-87A0-2954-B9BD-DD45AB106570}"/>
-              </a:ext>
-            </a:extLst>
-          </p:cNvPr>
-          <p:cNvSpPr/>
-          <p:nvPr/>
-        </p:nvSpPr>
-        <p:spPr>
-          <a:xfrm>
-            <a:off x="1328578" y="1250501"/>
-            <a:ext cx="902811" cy="400543"/>
-          </a:xfrm>
-          <a:prstGeom prst="roundRect">
-            <a:avLst/>
-          </a:prstGeom>
-          <a:noFill/>
-        </p:spPr>
-        <p:style>
-          <a:lnRef idx="2">
-            <a:schemeClr val="accent1">
-              <a:shade val="15000"/>
-            </a:schemeClr>
-          </a:lnRef>
-          <a:fillRef idx="1">
-            <a:schemeClr val="accent1"/>
-          </a:fillRef>
-          <a:effectRef idx="0">
-            <a:schemeClr val="accent1"/>
-          </a:effectRef>
-          <a:fontRef idx="minor">
-            <a:schemeClr val="lt1"/>
-          </a:fontRef>
-        </p:style>
-        <p:txBody>
-          <a:bodyPr rtlCol="0" anchor="ctr"/>
-          <a:lstStyle/>
-          <a:p>
-            <a:pPr algn="ctr"/>
-            <a:endParaRPr lang="en-GB" dirty="0"/>
-          </a:p>
-        </p:txBody>
-      </p:sp>
-      <p:cxnSp>
-        <p:nvCxnSpPr>
-          <p:cNvPr id="32" name="Connecteur en angle 31">
-            <a:extLst>
-              <a:ext uri="{FF2B5EF4-FFF2-40B4-BE49-F238E27FC236}">
-                <a16:creationId xmlns:a16="http://schemas.microsoft.com/office/drawing/2014/main" id="{05B73793-D8EF-32E3-50EB-A299083273A1}"/>
-              </a:ext>
-            </a:extLst>
-          </p:cNvPr>
-          <p:cNvCxnSpPr>
-            <a:cxnSpLocks/>
-            <a:stCxn id="146" idx="3"/>
-            <a:endCxn id="27" idx="1"/>
-          </p:cNvCxnSpPr>
-          <p:nvPr/>
-        </p:nvCxnSpPr>
-        <p:spPr>
-          <a:xfrm>
-            <a:off x="952331" y="952541"/>
-            <a:ext cx="376247" cy="498228"/>
-          </a:xfrm>
-          <a:prstGeom prst="bentConnector3">
-            <a:avLst/>
-          </a:prstGeom>
-          <a:ln>
-            <a:tailEnd type="triangle"/>
-          </a:ln>
-        </p:spPr>
-        <p:style>
-          <a:lnRef idx="1">
-            <a:schemeClr val="dk1"/>
-          </a:lnRef>
-          <a:fillRef idx="0">
-            <a:schemeClr val="dk1"/>
-          </a:fillRef>
-          <a:effectRef idx="0">
-            <a:schemeClr val="dk1"/>
-          </a:effectRef>
-          <a:fontRef idx="minor">
-            <a:schemeClr val="tx1"/>
-          </a:fontRef>
-        </p:style>
-      </p:cxnSp>
-      <p:cxnSp>
-        <p:nvCxnSpPr>
-          <p:cNvPr id="42" name="Connecteur droit avec flèche 41">
-            <a:extLst>
-              <a:ext uri="{FF2B5EF4-FFF2-40B4-BE49-F238E27FC236}">
-                <a16:creationId xmlns:a16="http://schemas.microsoft.com/office/drawing/2014/main" id="{77B7BCF8-8A62-6C83-BDB4-0BF71A41A9AF}"/>
-              </a:ext>
-            </a:extLst>
-          </p:cNvPr>
-          <p:cNvCxnSpPr>
-            <a:cxnSpLocks/>
-            <a:stCxn id="146" idx="3"/>
-            <a:endCxn id="26" idx="1"/>
-          </p:cNvCxnSpPr>
-          <p:nvPr/>
-        </p:nvCxnSpPr>
-        <p:spPr>
-          <a:xfrm>
-            <a:off x="952331" y="952541"/>
-            <a:ext cx="376247" cy="0"/>
-          </a:xfrm>
-          <a:prstGeom prst="straightConnector1">
-            <a:avLst/>
-          </a:prstGeom>
-          <a:ln>
-            <a:tailEnd type="triangle"/>
-          </a:ln>
-        </p:spPr>
-        <p:style>
-          <a:lnRef idx="1">
-            <a:schemeClr val="dk1"/>
-          </a:lnRef>
-          <a:fillRef idx="0">
-            <a:schemeClr val="dk1"/>
-          </a:fillRef>
-          <a:effectRef idx="0">
-            <a:schemeClr val="dk1"/>
-          </a:effectRef>
-          <a:fontRef idx="minor">
-            <a:schemeClr val="tx1"/>
-          </a:fontRef>
-        </p:style>
-      </p:cxnSp>
-      <p:sp>
-        <p:nvSpPr>
-          <p:cNvPr id="47" name="ZoneTexte 46">
-            <a:extLst>
-              <a:ext uri="{FF2B5EF4-FFF2-40B4-BE49-F238E27FC236}">
-                <a16:creationId xmlns:a16="http://schemas.microsoft.com/office/drawing/2014/main" id="{32871EE6-C766-62DF-12E8-E0BCCA1E1B7B}"/>
-              </a:ext>
-            </a:extLst>
-          </p:cNvPr>
-          <p:cNvSpPr txBox="1"/>
-          <p:nvPr/>
-        </p:nvSpPr>
-        <p:spPr>
-          <a:xfrm>
-            <a:off x="1340234" y="395324"/>
-            <a:ext cx="838750" cy="215444"/>
-          </a:xfrm>
-          <a:prstGeom prst="rect">
-            <a:avLst/>
-          </a:prstGeom>
-          <a:noFill/>
-        </p:spPr>
-        <p:txBody>
-          <a:bodyPr wrap="square" rtlCol="0">
-            <a:spAutoFit/>
-          </a:bodyPr>
-          <a:lstStyle/>
-          <a:p>
-            <a:pPr algn="just"/>
-            <a:r>
-              <a:rPr lang="en-GB" sz="400" dirty="0"/>
-              <a:t>Random Forest on each type of data, as illustrated in (B).</a:t>
-            </a:r>
-          </a:p>
-        </p:txBody>
-      </p:sp>
-      <p:sp>
-        <p:nvSpPr>
-          <p:cNvPr id="48" name="ZoneTexte 47">
-            <a:extLst>
-              <a:ext uri="{FF2B5EF4-FFF2-40B4-BE49-F238E27FC236}">
-                <a16:creationId xmlns:a16="http://schemas.microsoft.com/office/drawing/2014/main" id="{5A9B58E1-09B1-B065-37DB-FFEF5DEDDFC2}"/>
-              </a:ext>
-            </a:extLst>
-          </p:cNvPr>
-          <p:cNvSpPr txBox="1"/>
-          <p:nvPr/>
-        </p:nvSpPr>
-        <p:spPr>
-          <a:xfrm>
-            <a:off x="1340238" y="289141"/>
-            <a:ext cx="840641" cy="153888"/>
-          </a:xfrm>
-          <a:prstGeom prst="rect">
-            <a:avLst/>
-          </a:prstGeom>
-          <a:noFill/>
-        </p:spPr>
-        <p:txBody>
-          <a:bodyPr wrap="square" rtlCol="0">
-            <a:spAutoFit/>
-          </a:bodyPr>
-          <a:lstStyle/>
-          <a:p>
-            <a:r>
-              <a:rPr lang="en-GB" sz="400" b="1" dirty="0"/>
-              <a:t>STRATEGY n°1: Single model</a:t>
-            </a:r>
-          </a:p>
-        </p:txBody>
-      </p:sp>
-      <p:sp>
-        <p:nvSpPr>
-          <p:cNvPr id="49" name="ZoneTexte 48">
-            <a:extLst>
-              <a:ext uri="{FF2B5EF4-FFF2-40B4-BE49-F238E27FC236}">
-                <a16:creationId xmlns:a16="http://schemas.microsoft.com/office/drawing/2014/main" id="{DF712C36-D164-52D9-39D9-73545F366178}"/>
-              </a:ext>
-            </a:extLst>
-          </p:cNvPr>
-          <p:cNvSpPr txBox="1"/>
-          <p:nvPr/>
-        </p:nvSpPr>
-        <p:spPr>
-          <a:xfrm>
-            <a:off x="1340238" y="760355"/>
-            <a:ext cx="975373" cy="153888"/>
-          </a:xfrm>
-          <a:prstGeom prst="rect">
-            <a:avLst/>
-          </a:prstGeom>
-          <a:noFill/>
-        </p:spPr>
-        <p:txBody>
-          <a:bodyPr wrap="square" rtlCol="0">
-            <a:spAutoFit/>
-          </a:bodyPr>
-          <a:lstStyle/>
-          <a:p>
-            <a:r>
-              <a:rPr lang="en-GB" sz="400" b="1" dirty="0"/>
-              <a:t>STRATEGY n°2: Aggregated models</a:t>
-            </a:r>
-          </a:p>
-        </p:txBody>
-      </p:sp>
-      <p:sp>
-        <p:nvSpPr>
-          <p:cNvPr id="50" name="ZoneTexte 49">
-            <a:extLst>
-              <a:ext uri="{FF2B5EF4-FFF2-40B4-BE49-F238E27FC236}">
-                <a16:creationId xmlns:a16="http://schemas.microsoft.com/office/drawing/2014/main" id="{A472FDBF-54E8-F124-58EF-A1C547E2921F}"/>
-              </a:ext>
-            </a:extLst>
-          </p:cNvPr>
-          <p:cNvSpPr txBox="1"/>
-          <p:nvPr/>
-        </p:nvSpPr>
-        <p:spPr>
-          <a:xfrm>
-            <a:off x="1340238" y="856602"/>
-            <a:ext cx="891151" cy="276999"/>
-          </a:xfrm>
-          <a:prstGeom prst="rect">
-            <a:avLst/>
-          </a:prstGeom>
-          <a:noFill/>
-        </p:spPr>
-        <p:txBody>
-          <a:bodyPr wrap="square" rtlCol="0">
-            <a:spAutoFit/>
-          </a:bodyPr>
-          <a:lstStyle/>
-          <a:p>
-            <a:pPr algn="just"/>
-            <a:r>
-              <a:rPr lang="en-GB" sz="400" dirty="0"/>
-              <a:t>Random Forest is first applied on blood makers, then on the residuals of the model, etc.</a:t>
-            </a:r>
-          </a:p>
-        </p:txBody>
-      </p:sp>
-      <p:sp>
-        <p:nvSpPr>
-          <p:cNvPr id="53" name="ZoneTexte 52">
-            <a:extLst>
-              <a:ext uri="{FF2B5EF4-FFF2-40B4-BE49-F238E27FC236}">
-                <a16:creationId xmlns:a16="http://schemas.microsoft.com/office/drawing/2014/main" id="{93458BBC-B9F0-115F-2E2E-BACD83D8E73C}"/>
-              </a:ext>
-            </a:extLst>
-          </p:cNvPr>
-          <p:cNvSpPr txBox="1"/>
-          <p:nvPr/>
-        </p:nvSpPr>
-        <p:spPr>
-          <a:xfrm>
-            <a:off x="1340237" y="1259696"/>
-            <a:ext cx="975373" cy="153888"/>
-          </a:xfrm>
-          <a:prstGeom prst="rect">
-            <a:avLst/>
-          </a:prstGeom>
-          <a:noFill/>
-        </p:spPr>
-        <p:txBody>
-          <a:bodyPr wrap="square" rtlCol="0">
-            <a:spAutoFit/>
-          </a:bodyPr>
-          <a:lstStyle/>
-          <a:p>
-            <a:r>
-              <a:rPr lang="en-GB" sz="400" b="1" dirty="0"/>
-              <a:t>STRATEGY n°3: Pooled data</a:t>
-            </a:r>
-          </a:p>
-        </p:txBody>
-      </p:sp>
-      <p:sp>
-        <p:nvSpPr>
-          <p:cNvPr id="54" name="ZoneTexte 53">
-            <a:extLst>
-              <a:ext uri="{FF2B5EF4-FFF2-40B4-BE49-F238E27FC236}">
-                <a16:creationId xmlns:a16="http://schemas.microsoft.com/office/drawing/2014/main" id="{2B9F0A95-8047-88B4-22F9-5E98A44E9724}"/>
-              </a:ext>
-            </a:extLst>
-          </p:cNvPr>
-          <p:cNvSpPr txBox="1"/>
-          <p:nvPr/>
-        </p:nvSpPr>
-        <p:spPr>
-          <a:xfrm>
-            <a:off x="1334407" y="1371328"/>
-            <a:ext cx="891151" cy="215444"/>
-          </a:xfrm>
-          <a:prstGeom prst="rect">
-            <a:avLst/>
-          </a:prstGeom>
-          <a:noFill/>
-        </p:spPr>
-        <p:txBody>
-          <a:bodyPr wrap="square" rtlCol="0">
-            <a:spAutoFit/>
-          </a:bodyPr>
-          <a:lstStyle/>
-          <a:p>
-            <a:pPr algn="just"/>
-            <a:r>
-              <a:rPr lang="en-GB" sz="400" dirty="0"/>
-              <a:t>Extreme Gradient Boosting model applied to pooled data.</a:t>
-            </a:r>
-          </a:p>
-        </p:txBody>
-      </p:sp>
-      <p:pic>
-        <p:nvPicPr>
-          <p:cNvPr id="3" name="Image 2">
-            <a:extLst>
-              <a:ext uri="{FF2B5EF4-FFF2-40B4-BE49-F238E27FC236}">
-                <a16:creationId xmlns:a16="http://schemas.microsoft.com/office/drawing/2014/main" id="{797C6186-DC3B-618F-FF67-271FAF29A640}"/>
-              </a:ext>
-            </a:extLst>
-          </p:cNvPr>
-          <p:cNvPicPr>
-            <a:picLocks noChangeAspect="1"/>
-          </p:cNvPicPr>
-          <p:nvPr/>
-        </p:nvPicPr>
-        <p:blipFill>
-          <a:blip r:embed="rId4"/>
-          <a:srcRect l="18270" t="42332" r="10547" b="45875"/>
-          <a:stretch>
-            <a:fillRect/>
-          </a:stretch>
-        </p:blipFill>
-        <p:spPr>
-          <a:xfrm>
-            <a:off x="2411787" y="1626447"/>
-            <a:ext cx="1751661" cy="206546"/>
-          </a:xfrm>
-          <a:prstGeom prst="rect">
-            <a:avLst/>
-          </a:prstGeom>
-        </p:spPr>
-      </p:pic>
+              <a:rPr lang="fr-FR" sz="600" dirty="0"/>
+              <a:t>(B)</a:t>
+            </a:r>
+          </a:p>
+        </p:txBody>
+      </p:sp>
     </p:spTree>
     <p:extLst>
       <p:ext uri="{BB962C8B-B14F-4D97-AF65-F5344CB8AC3E}">

--- a/figures/Figure_2.pptx
+++ b/figures/Figure_2.pptx
@@ -2987,7 +2987,7 @@
         </p:nvSpPr>
         <p:spPr>
           <a:xfrm>
-            <a:off x="0" y="60658"/>
+            <a:off x="-4849" y="60990"/>
             <a:ext cx="277640" cy="184666"/>
           </a:xfrm>
           <a:prstGeom prst="rect">
@@ -3022,7 +3022,7 @@
         </p:nvSpPr>
         <p:spPr>
           <a:xfrm>
-            <a:off x="1447399" y="60658"/>
+            <a:off x="1423138" y="60324"/>
             <a:ext cx="274434" cy="184666"/>
           </a:xfrm>
           <a:prstGeom prst="rect">
@@ -3043,6 +3043,66 @@
           </a:p>
         </p:txBody>
       </p:sp>
+      <p:pic>
+        <p:nvPicPr>
+          <p:cNvPr id="3" name="Image 2">
+            <a:extLst>
+              <a:ext uri="{FF2B5EF4-FFF2-40B4-BE49-F238E27FC236}">
+                <a16:creationId xmlns:a16="http://schemas.microsoft.com/office/drawing/2014/main" id="{230DF72D-AAA0-F56E-5585-024FDB5AA965}"/>
+              </a:ext>
+            </a:extLst>
+          </p:cNvPr>
+          <p:cNvPicPr>
+            <a:picLocks noChangeAspect="1"/>
+          </p:cNvPicPr>
+          <p:nvPr/>
+        </p:nvPicPr>
+        <p:blipFill>
+          <a:blip r:embed="rId2"/>
+          <a:stretch>
+            <a:fillRect/>
+          </a:stretch>
+        </p:blipFill>
+        <p:spPr>
+          <a:xfrm>
+            <a:off x="100720" y="60324"/>
+            <a:ext cx="1424781" cy="1139825"/>
+          </a:xfrm>
+          <a:prstGeom prst="rect">
+            <a:avLst/>
+          </a:prstGeom>
+        </p:spPr>
+      </p:pic>
+      <p:pic>
+        <p:nvPicPr>
+          <p:cNvPr id="7" name="Image 6">
+            <a:extLst>
+              <a:ext uri="{FF2B5EF4-FFF2-40B4-BE49-F238E27FC236}">
+                <a16:creationId xmlns:a16="http://schemas.microsoft.com/office/drawing/2014/main" id="{2A405227-D902-CC33-7AF4-A2BF85C73023}"/>
+              </a:ext>
+            </a:extLst>
+          </p:cNvPr>
+          <p:cNvPicPr>
+            <a:picLocks noChangeAspect="1"/>
+          </p:cNvPicPr>
+          <p:nvPr/>
+        </p:nvPicPr>
+        <p:blipFill>
+          <a:blip r:embed="rId3"/>
+          <a:stretch>
+            <a:fillRect/>
+          </a:stretch>
+        </p:blipFill>
+        <p:spPr>
+          <a:xfrm>
+            <a:off x="1525501" y="60988"/>
+            <a:ext cx="1424781" cy="1139825"/>
+          </a:xfrm>
+          <a:prstGeom prst="rect">
+            <a:avLst/>
+          </a:prstGeom>
+        </p:spPr>
+      </p:pic>
     </p:spTree>
     <p:extLst>
       <p:ext uri="{BB962C8B-B14F-4D97-AF65-F5344CB8AC3E}">
